--- a/estudios/UEX/Curso2/Asignaturas/IPO/Ejercicios/JoseLuisObiangEN_Ejercicio2-A.pptx
+++ b/estudios/UEX/Curso2/Asignaturas/IPO/Ejercicios/JoseLuisObiangEN_Ejercicio2-A.pptx
@@ -3311,7 +3311,7 @@
           <a:p>
             <a:fld id="{471A195F-4D9C-433C-99CC-897A4FB0B00C}" type="datetimeFigureOut">
               <a:rPr lang="es-ES" smtClean="0"/>
-              <a:t>19/10/2022</a:t>
+              <a:t>26/10/2022</a:t>
             </a:fld>
             <a:endParaRPr lang="es-ES"/>
           </a:p>
@@ -3509,7 +3509,7 @@
           <a:p>
             <a:fld id="{471A195F-4D9C-433C-99CC-897A4FB0B00C}" type="datetimeFigureOut">
               <a:rPr lang="es-ES" smtClean="0"/>
-              <a:t>19/10/2022</a:t>
+              <a:t>26/10/2022</a:t>
             </a:fld>
             <a:endParaRPr lang="es-ES"/>
           </a:p>
@@ -3717,7 +3717,7 @@
           <a:p>
             <a:fld id="{471A195F-4D9C-433C-99CC-897A4FB0B00C}" type="datetimeFigureOut">
               <a:rPr lang="es-ES" smtClean="0"/>
-              <a:t>19/10/2022</a:t>
+              <a:t>26/10/2022</a:t>
             </a:fld>
             <a:endParaRPr lang="es-ES"/>
           </a:p>
@@ -3915,7 +3915,7 @@
           <a:p>
             <a:fld id="{471A195F-4D9C-433C-99CC-897A4FB0B00C}" type="datetimeFigureOut">
               <a:rPr lang="es-ES" smtClean="0"/>
-              <a:t>19/10/2022</a:t>
+              <a:t>26/10/2022</a:t>
             </a:fld>
             <a:endParaRPr lang="es-ES"/>
           </a:p>
@@ -4190,7 +4190,7 @@
           <a:p>
             <a:fld id="{471A195F-4D9C-433C-99CC-897A4FB0B00C}" type="datetimeFigureOut">
               <a:rPr lang="es-ES" smtClean="0"/>
-              <a:t>19/10/2022</a:t>
+              <a:t>26/10/2022</a:t>
             </a:fld>
             <a:endParaRPr lang="es-ES"/>
           </a:p>
@@ -4455,7 +4455,7 @@
           <a:p>
             <a:fld id="{471A195F-4D9C-433C-99CC-897A4FB0B00C}" type="datetimeFigureOut">
               <a:rPr lang="es-ES" smtClean="0"/>
-              <a:t>19/10/2022</a:t>
+              <a:t>26/10/2022</a:t>
             </a:fld>
             <a:endParaRPr lang="es-ES"/>
           </a:p>
@@ -4867,7 +4867,7 @@
           <a:p>
             <a:fld id="{471A195F-4D9C-433C-99CC-897A4FB0B00C}" type="datetimeFigureOut">
               <a:rPr lang="es-ES" smtClean="0"/>
-              <a:t>19/10/2022</a:t>
+              <a:t>26/10/2022</a:t>
             </a:fld>
             <a:endParaRPr lang="es-ES"/>
           </a:p>
@@ -5008,7 +5008,7 @@
           <a:p>
             <a:fld id="{471A195F-4D9C-433C-99CC-897A4FB0B00C}" type="datetimeFigureOut">
               <a:rPr lang="es-ES" smtClean="0"/>
-              <a:t>19/10/2022</a:t>
+              <a:t>26/10/2022</a:t>
             </a:fld>
             <a:endParaRPr lang="es-ES"/>
           </a:p>
@@ -5121,7 +5121,7 @@
           <a:p>
             <a:fld id="{471A195F-4D9C-433C-99CC-897A4FB0B00C}" type="datetimeFigureOut">
               <a:rPr lang="es-ES" smtClean="0"/>
-              <a:t>19/10/2022</a:t>
+              <a:t>26/10/2022</a:t>
             </a:fld>
             <a:endParaRPr lang="es-ES"/>
           </a:p>
@@ -5432,7 +5432,7 @@
           <a:p>
             <a:fld id="{471A195F-4D9C-433C-99CC-897A4FB0B00C}" type="datetimeFigureOut">
               <a:rPr lang="es-ES" smtClean="0"/>
-              <a:t>19/10/2022</a:t>
+              <a:t>26/10/2022</a:t>
             </a:fld>
             <a:endParaRPr lang="es-ES"/>
           </a:p>
@@ -5720,7 +5720,7 @@
           <a:p>
             <a:fld id="{471A195F-4D9C-433C-99CC-897A4FB0B00C}" type="datetimeFigureOut">
               <a:rPr lang="es-ES" smtClean="0"/>
-              <a:t>19/10/2022</a:t>
+              <a:t>26/10/2022</a:t>
             </a:fld>
             <a:endParaRPr lang="es-ES"/>
           </a:p>
@@ -5961,7 +5961,7 @@
           <a:p>
             <a:fld id="{471A195F-4D9C-433C-99CC-897A4FB0B00C}" type="datetimeFigureOut">
               <a:rPr lang="es-ES" smtClean="0"/>
-              <a:t>19/10/2022</a:t>
+              <a:t>26/10/2022</a:t>
             </a:fld>
             <a:endParaRPr lang="es-ES"/>
           </a:p>
@@ -8370,7 +8370,7 @@
                   <a:schemeClr val="bg1"/>
                 </a:solidFill>
               </a:rPr>
-              <a:t>los elementos que están más cercanos, tienden a percibirse como grupo.</a:t>
+              <a:t>los elementos que están más cercanos tienden a percibirse como grupo.</a:t>
             </a:r>
             <a:endParaRPr lang="en-US" sz="2000" kern="1200" dirty="0">
               <a:solidFill>
@@ -9577,7 +9577,7 @@
               <a:buAutoNum type="arabicPeriod" startAt="4"/>
             </a:pPr>
             <a:r>
-              <a:rPr lang="es-ES" sz="2400" b="1">
+              <a:rPr lang="es-ES" sz="2400" b="1" dirty="0">
                 <a:solidFill>
                   <a:srgbClr val="FEFFFF"/>
                 </a:solidFill>
@@ -9590,7 +9590,7 @@
               <a:buNone/>
             </a:pPr>
             <a:r>
-              <a:rPr lang="es-ES" sz="2400">
+              <a:rPr lang="es-ES" sz="2400" dirty="0">
                 <a:solidFill>
                   <a:srgbClr val="FEFFFF"/>
                 </a:solidFill>
@@ -9598,7 +9598,7 @@
               </a:rPr>
               <a:t>https://www.wikipedia.org/</a:t>
             </a:r>
-            <a:endParaRPr lang="es-ES" sz="2400">
+            <a:endParaRPr lang="es-ES" sz="2400" dirty="0">
               <a:solidFill>
                 <a:srgbClr val="FEFFFF"/>
               </a:solidFill>
@@ -9609,12 +9609,12 @@
               <a:buNone/>
             </a:pPr>
             <a:r>
-              <a:rPr lang="es-ES" sz="2400">
+              <a:rPr lang="es-ES" sz="2400" dirty="0">
                 <a:solidFill>
                   <a:srgbClr val="FEFFFF"/>
                 </a:solidFill>
               </a:rPr>
-              <a:t>Esta ley dice que, si percibimos elementos continuos aunque estén separador entre sí.</a:t>
+              <a:t>Esta ley dice que, si percibimos elementos continuos aunque estén separados entre sí.</a:t>
             </a:r>
           </a:p>
         </p:txBody>
@@ -10409,7 +10409,7 @@
                   <a:srgbClr val="FFFFFF"/>
                 </a:solidFill>
               </a:rPr>
-              <a:t>Esta ley dice que las personas utilizan conocimientos precios para entender ciertos elementos, aunque estén incompletos, interpretando subjetivamente según su experiencia visual.</a:t>
+              <a:t>Esta ley dice que las personas utilizan conocimientos previos para entender ciertos elementos, aunque estén incompletos, interpretando subjetivamente según su experiencia visual.</a:t>
             </a:r>
           </a:p>
           <a:p>
@@ -11256,24 +11256,172 @@
               <a:buChar char="•"/>
             </a:pPr>
             <a:r>
-              <a:rPr lang="en-US" sz="2400"/>
-              <a:t>Icono del </a:t>
-            </a:r>
-            <a:r>
-              <a:rPr lang="en-US" sz="2400" b="1"/>
-              <a:t>reproductor de música</a:t>
-            </a:r>
-            <a:r>
-              <a:rPr lang="en-US" sz="2400"/>
-              <a:t>, considero que este icono tiene una buena compresión ya que sirve para reproducir música y  el símbolo de </a:t>
-            </a:r>
-            <a:r>
-              <a:rPr lang="en-US" sz="2400" b="1"/>
+              <a:rPr lang="en-US" sz="2400" dirty="0" err="1"/>
+              <a:t>Icono</a:t>
+            </a:r>
+            <a:r>
+              <a:rPr lang="en-US" sz="2400" dirty="0"/>
+              <a:t> del </a:t>
+            </a:r>
+            <a:r>
+              <a:rPr lang="en-US" sz="2400" b="1" dirty="0" err="1"/>
+              <a:t>reproductor</a:t>
+            </a:r>
+            <a:r>
+              <a:rPr lang="en-US" sz="2400" b="1" dirty="0"/>
+              <a:t> de </a:t>
+            </a:r>
+            <a:r>
+              <a:rPr lang="en-US" sz="2400" b="1" dirty="0" err="1"/>
+              <a:t>música</a:t>
+            </a:r>
+            <a:r>
+              <a:rPr lang="en-US" sz="2400" dirty="0"/>
+              <a:t>, </a:t>
+            </a:r>
+            <a:r>
+              <a:rPr lang="en-US" sz="2400" dirty="0" err="1"/>
+              <a:t>considero</a:t>
+            </a:r>
+            <a:r>
+              <a:rPr lang="en-US" sz="2400" dirty="0"/>
+              <a:t> que </a:t>
+            </a:r>
+            <a:r>
+              <a:rPr lang="en-US" sz="2400" dirty="0" err="1"/>
+              <a:t>este</a:t>
+            </a:r>
+            <a:r>
+              <a:rPr lang="en-US" sz="2400" dirty="0"/>
+              <a:t> </a:t>
+            </a:r>
+            <a:r>
+              <a:rPr lang="en-US" sz="2400" dirty="0" err="1"/>
+              <a:t>icono</a:t>
+            </a:r>
+            <a:r>
+              <a:rPr lang="en-US" sz="2400" dirty="0"/>
+              <a:t> </a:t>
+            </a:r>
+            <a:r>
+              <a:rPr lang="en-US" sz="2400" dirty="0" err="1"/>
+              <a:t>tiene</a:t>
+            </a:r>
+            <a:r>
+              <a:rPr lang="en-US" sz="2400" dirty="0"/>
+              <a:t> </a:t>
+            </a:r>
+            <a:r>
+              <a:rPr lang="en-US" sz="2400" dirty="0" err="1"/>
+              <a:t>una</a:t>
+            </a:r>
+            <a:r>
+              <a:rPr lang="en-US" sz="2400" dirty="0"/>
+              <a:t> </a:t>
+            </a:r>
+            <a:r>
+              <a:rPr lang="en-US" sz="2400" dirty="0" err="1"/>
+              <a:t>buena</a:t>
+            </a:r>
+            <a:r>
+              <a:rPr lang="en-US" sz="2400" dirty="0"/>
+              <a:t> </a:t>
+            </a:r>
+            <a:r>
+              <a:rPr lang="en-US" sz="2400" dirty="0" err="1"/>
+              <a:t>compresión</a:t>
+            </a:r>
+            <a:r>
+              <a:rPr lang="en-US" sz="2400" dirty="0"/>
+              <a:t> </a:t>
+            </a:r>
+            <a:r>
+              <a:rPr lang="en-US" sz="2400" dirty="0" err="1"/>
+              <a:t>ya</a:t>
+            </a:r>
+            <a:r>
+              <a:rPr lang="en-US" sz="2400" dirty="0"/>
+              <a:t> que </a:t>
+            </a:r>
+            <a:r>
+              <a:rPr lang="en-US" sz="2400" dirty="0" err="1"/>
+              <a:t>sirve</a:t>
+            </a:r>
+            <a:r>
+              <a:rPr lang="en-US" sz="2400" dirty="0"/>
+              <a:t> para </a:t>
+            </a:r>
+            <a:r>
+              <a:rPr lang="en-US" sz="2400" dirty="0" err="1"/>
+              <a:t>reproducir</a:t>
+            </a:r>
+            <a:r>
+              <a:rPr lang="en-US" sz="2400" dirty="0"/>
+              <a:t> </a:t>
+            </a:r>
+            <a:r>
+              <a:rPr lang="en-US" sz="2400" dirty="0" err="1"/>
+              <a:t>música</a:t>
+            </a:r>
+            <a:r>
+              <a:rPr lang="en-US" sz="2400" dirty="0"/>
+              <a:t> y  </a:t>
+            </a:r>
+            <a:r>
+              <a:rPr lang="en-US" sz="2400" dirty="0" err="1"/>
+              <a:t>el</a:t>
+            </a:r>
+            <a:r>
+              <a:rPr lang="en-US" sz="2400" dirty="0"/>
+              <a:t> </a:t>
+            </a:r>
+            <a:r>
+              <a:rPr lang="en-US" sz="2400" dirty="0" err="1"/>
+              <a:t>símbolo</a:t>
+            </a:r>
+            <a:r>
+              <a:rPr lang="en-US" sz="2400" dirty="0"/>
+              <a:t> de </a:t>
+            </a:r>
+            <a:r>
+              <a:rPr lang="en-US" sz="2400" b="1" dirty="0"/>
               <a:t>play</a:t>
             </a:r>
             <a:r>
-              <a:rPr lang="en-US" sz="2400"/>
-              <a:t> lo asocio a empezar a reproducir música. </a:t>
+              <a:rPr lang="en-US" sz="2400" dirty="0"/>
+              <a:t> lo </a:t>
+            </a:r>
+            <a:r>
+              <a:rPr lang="en-US" sz="2400" dirty="0" err="1"/>
+              <a:t>asocio</a:t>
+            </a:r>
+            <a:r>
+              <a:rPr lang="en-US" sz="2400" dirty="0"/>
+              <a:t> a </a:t>
+            </a:r>
+            <a:r>
+              <a:rPr lang="en-US" sz="2400" dirty="0" err="1"/>
+              <a:t>empezar</a:t>
+            </a:r>
+            <a:r>
+              <a:rPr lang="en-US" sz="2400" dirty="0"/>
+              <a:t> a </a:t>
+            </a:r>
+            <a:r>
+              <a:rPr lang="en-US" sz="2400" dirty="0" err="1"/>
+              <a:t>reproducir</a:t>
+            </a:r>
+            <a:r>
+              <a:rPr lang="en-US" sz="2400" dirty="0"/>
+              <a:t> </a:t>
+            </a:r>
+            <a:r>
+              <a:rPr lang="en-US" sz="2400" dirty="0" err="1"/>
+              <a:t>música</a:t>
+            </a:r>
+            <a:r>
+              <a:rPr lang="en-US" sz="2400" dirty="0"/>
+              <a:t>. </a:t>
             </a:r>
           </a:p>
           <a:p>
@@ -11288,16 +11436,108 @@
               <a:buChar char="•"/>
             </a:pPr>
             <a:r>
-              <a:rPr lang="en-US" sz="2400"/>
-              <a:t>Icono de la </a:t>
-            </a:r>
-            <a:r>
-              <a:rPr lang="en-US" sz="2400" b="1"/>
+              <a:rPr lang="en-US" sz="2400" dirty="0" err="1"/>
+              <a:t>Icono</a:t>
+            </a:r>
+            <a:r>
+              <a:rPr lang="en-US" sz="2400" dirty="0"/>
+              <a:t> de la </a:t>
+            </a:r>
+            <a:r>
+              <a:rPr lang="en-US" sz="2400" b="1" dirty="0" err="1"/>
               <a:t>calculadora</a:t>
             </a:r>
             <a:r>
-              <a:rPr lang="en-US" sz="2400"/>
-              <a:t>, considero que este icono tiene una buena compresión ya que representa la forma de una calculadora.</a:t>
+              <a:rPr lang="en-US" sz="2400" dirty="0"/>
+              <a:t>, </a:t>
+            </a:r>
+            <a:r>
+              <a:rPr lang="en-US" sz="2400" dirty="0" err="1"/>
+              <a:t>considero</a:t>
+            </a:r>
+            <a:r>
+              <a:rPr lang="en-US" sz="2400" dirty="0"/>
+              <a:t> que </a:t>
+            </a:r>
+            <a:r>
+              <a:rPr lang="en-US" sz="2400" dirty="0" err="1"/>
+              <a:t>este</a:t>
+            </a:r>
+            <a:r>
+              <a:rPr lang="en-US" sz="2400" dirty="0"/>
+              <a:t> </a:t>
+            </a:r>
+            <a:r>
+              <a:rPr lang="en-US" sz="2400" dirty="0" err="1"/>
+              <a:t>icono</a:t>
+            </a:r>
+            <a:r>
+              <a:rPr lang="en-US" sz="2400" dirty="0"/>
+              <a:t> </a:t>
+            </a:r>
+            <a:r>
+              <a:rPr lang="en-US" sz="2400" dirty="0" err="1"/>
+              <a:t>tiene</a:t>
+            </a:r>
+            <a:r>
+              <a:rPr lang="en-US" sz="2400" dirty="0"/>
+              <a:t> </a:t>
+            </a:r>
+            <a:r>
+              <a:rPr lang="en-US" sz="2400" dirty="0" err="1"/>
+              <a:t>una</a:t>
+            </a:r>
+            <a:r>
+              <a:rPr lang="en-US" sz="2400" dirty="0"/>
+              <a:t> </a:t>
+            </a:r>
+            <a:r>
+              <a:rPr lang="en-US" sz="2400" dirty="0" err="1"/>
+              <a:t>buena</a:t>
+            </a:r>
+            <a:r>
+              <a:rPr lang="en-US" sz="2400" dirty="0"/>
+              <a:t> </a:t>
+            </a:r>
+            <a:r>
+              <a:rPr lang="en-US" sz="2400" dirty="0" err="1"/>
+              <a:t>compresión</a:t>
+            </a:r>
+            <a:r>
+              <a:rPr lang="en-US" sz="2400" dirty="0"/>
+              <a:t> </a:t>
+            </a:r>
+            <a:r>
+              <a:rPr lang="en-US" sz="2400" dirty="0" err="1"/>
+              <a:t>ya</a:t>
+            </a:r>
+            <a:r>
+              <a:rPr lang="en-US" sz="2400" dirty="0"/>
+              <a:t> que </a:t>
+            </a:r>
+            <a:r>
+              <a:rPr lang="en-US" sz="2400" dirty="0" err="1"/>
+              <a:t>representa</a:t>
+            </a:r>
+            <a:r>
+              <a:rPr lang="en-US" sz="2400" dirty="0"/>
+              <a:t> la forma de </a:t>
+            </a:r>
+            <a:r>
+              <a:rPr lang="en-US" sz="2400" dirty="0" err="1"/>
+              <a:t>una</a:t>
+            </a:r>
+            <a:r>
+              <a:rPr lang="en-US" sz="2400" dirty="0"/>
+              <a:t> </a:t>
+            </a:r>
+            <a:r>
+              <a:rPr lang="en-US" sz="2400" dirty="0" err="1"/>
+              <a:t>calculadora</a:t>
+            </a:r>
+            <a:r>
+              <a:rPr lang="en-US" sz="2400" dirty="0"/>
+              <a:t>.</a:t>
             </a:r>
           </a:p>
           <a:p>
@@ -11311,7 +11551,7 @@
               <a:buFont typeface="Arial" panose="020B0604020202020204" pitchFamily="34" charset="0"/>
               <a:buChar char="•"/>
             </a:pPr>
-            <a:endParaRPr lang="en-US" sz="2400"/>
+            <a:endParaRPr lang="en-US" sz="2400" dirty="0"/>
           </a:p>
         </p:txBody>
       </p:sp>
